--- a/files/presentation/ppt/5.9 SGD(Stochastic Gradient Descent).pptx
+++ b/files/presentation/ppt/5.9 SGD(Stochastic Gradient Descent).pptx
@@ -2,7 +2,7 @@
 <file path=ppt/presentation.xml><?xml version="1.0" encoding="utf-8"?>
 <p:presentation xmlns:r="http://schemas.openxmlformats.org/officeDocument/2006/relationships" xmlns:c="http://schemas.openxmlformats.org/drawingml/2006/chart" xmlns:a="http://schemas.openxmlformats.org/drawingml/2006/main" xmlns:dgm="http://schemas.openxmlformats.org/drawingml/2006/diagram" xmlns:dsp="http://schemas.microsoft.com/office/drawing/2008/diagram" xmlns:p="http://schemas.openxmlformats.org/presentationml/2006/main">
   <p:sldMasterIdLst>
-    <p:sldMasterId id="2147483953" r:id="rId1"/>
+    <p:sldMasterId id="2147483950" r:id="rId1"/>
   </p:sldMasterIdLst>
   <p:notesMasterIdLst>
     <p:notesMasterId r:id="rId2"/>
@@ -18,6 +18,7 @@
     <p:sldId id="260" r:id="rId8"/>
     <p:sldId id="261" r:id="rId9"/>
     <p:sldId id="262" r:id="rId10"/>
+    <p:sldId id="263" r:id="rId11"/>
   </p:sldIdLst>
   <p:sldSz cx="9144000" cy="6858000" type="screen4x3"/>
   <p:notesSz cx="6858000" cy="9144000"/>
@@ -220,7 +221,7 @@
               <a:pPr lvl="0">
                 <a:defRPr lang="ko-KR" altLang="en-US"/>
               </a:pPr>
-              <a:t>2021-03-03</a:t>
+              <a:t>2021-03-11</a:t>
             </a:fld>
             <a:endParaRPr lang="ko-KR" altLang="en-US"/>
           </a:p>
@@ -407,7 +408,7 @@
               <a:pPr lvl="0">
                 <a:defRPr lang="ko-KR" altLang="en-US"/>
               </a:pPr>
-              <a:t>2021-03-03</a:t>
+              <a:t>2021-03-11</a:t>
             </a:fld>
             <a:endParaRPr lang="ko-KR" altLang="en-US"/>
           </a:p>
@@ -3865,6 +3866,244 @@
           </a:prstGeom>
         </p:spPr>
       </p:pic>
+    </p:spTree>
+  </p:cSld>
+  <p:clrMapOvr>
+    <a:masterClrMapping/>
+  </p:clrMapOvr>
+  <mc:AlternateContent xmlns:mc="http://schemas.openxmlformats.org/markup-compatibility/2006">
+    <mc:Choice xmlns:p14="http://schemas.microsoft.com/office/powerpoint/2010/main" Requires="p14">
+      <p:transition xmlns:mc="http://schemas.openxmlformats.org/markup-compatibility/2006" xmlns:p14="http://schemas.microsoft.com/office/powerpoint/2010/main" mc:Ignorable="p14" p14:dur="500"/>
+    </mc:Choice>
+    <mc:Fallback>
+      <p:transition/>
+    </mc:Fallback>
+  </mc:AlternateContent>
+</p:sld>
+</file>
+
+<file path=ppt/slides/slide8.xml><?xml version="1.0" encoding="utf-8"?>
+<p:sld xmlns:r="http://schemas.openxmlformats.org/officeDocument/2006/relationships" xmlns:c="http://schemas.openxmlformats.org/drawingml/2006/chart" xmlns:a="http://schemas.openxmlformats.org/drawingml/2006/main" xmlns:dgm="http://schemas.openxmlformats.org/drawingml/2006/diagram" xmlns:dsp="http://schemas.microsoft.com/office/drawing/2008/diagram" xmlns:p="http://schemas.openxmlformats.org/presentationml/2006/main">
+  <p:cSld>
+    <p:spTree>
+      <p:nvGrpSpPr>
+        <p:cNvPr id="1" name=""/>
+        <p:cNvGrpSpPr/>
+        <p:nvPr/>
+      </p:nvGrpSpPr>
+      <p:grpSpPr>
+        <a:xfrm>
+          <a:off x="0" y="0"/>
+          <a:ext cx="0" cy="0"/>
+          <a:chOff x="0" y="0"/>
+          <a:chExt cx="0" cy="0"/>
+        </a:xfrm>
+      </p:grpSpPr>
+      <p:sp>
+        <p:nvSpPr>
+          <p:cNvPr id="2" name="제목 1"/>
+          <p:cNvSpPr>
+            <a:spLocks noGrp="1"/>
+          </p:cNvSpPr>
+          <p:nvPr>
+            <p:ph type="ctrTitle" idx="13"/>
+          </p:nvPr>
+        </p:nvSpPr>
+        <p:spPr/>
+        <p:txBody>
+          <a:bodyPr/>
+          <a:lstStyle/>
+          <a:p>
+            <a:pPr>
+              <a:defRPr/>
+            </a:pPr>
+            <a:r>
+              <a:rPr lang="en-US" altLang="ko-KR"/>
+              <a:t>Python</a:t>
+            </a:r>
+            <a:endParaRPr lang="en-US" altLang="ko-KR"/>
+          </a:p>
+        </p:txBody>
+      </p:sp>
+      <p:sp>
+        <p:nvSpPr>
+          <p:cNvPr id="3" name=""/>
+          <p:cNvSpPr txBox="1"/>
+          <p:nvPr/>
+        </p:nvSpPr>
+        <p:spPr>
+          <a:xfrm>
+            <a:off x="899592" y="1412776"/>
+            <a:ext cx="7488832" cy="3662144"/>
+          </a:xfrm>
+          <a:prstGeom prst="rect">
+            <a:avLst/>
+          </a:prstGeom>
+        </p:spPr>
+        <p:txBody>
+          <a:bodyPr wrap="square">
+            <a:spAutoFit/>
+          </a:bodyPr>
+          <a:p>
+            <a:pPr>
+              <a:defRPr/>
+            </a:pPr>
+            <a:r>
+              <a:rPr lang="en-US" altLang="ko-KR"/>
+              <a:t>● Libraries</a:t>
+            </a:r>
+            <a:endParaRPr lang="en-US" altLang="ko-KR"/>
+          </a:p>
+          <a:p>
+            <a:pPr>
+              <a:defRPr/>
+            </a:pPr>
+            <a:endParaRPr lang="en-US" altLang="ko-KR"/>
+          </a:p>
+          <a:p>
+            <a:pPr>
+              <a:defRPr/>
+            </a:pPr>
+            <a:r>
+              <a:rPr lang="en-US" altLang="ko-KR"/>
+              <a:t>- numpy</a:t>
+            </a:r>
+            <a:endParaRPr lang="en-US" altLang="ko-KR"/>
+          </a:p>
+          <a:p>
+            <a:pPr>
+              <a:defRPr/>
+            </a:pPr>
+            <a:r>
+              <a:rPr lang="en-US" altLang="ko-KR"/>
+              <a:t>- matplotlib</a:t>
+            </a:r>
+            <a:endParaRPr lang="en-US" altLang="ko-KR"/>
+          </a:p>
+          <a:p>
+            <a:pPr>
+              <a:defRPr/>
+            </a:pPr>
+            <a:r>
+              <a:rPr lang="en-US" altLang="ko-KR"/>
+              <a:t>- pandas</a:t>
+            </a:r>
+            <a:endParaRPr lang="en-US" altLang="ko-KR"/>
+          </a:p>
+          <a:p>
+            <a:pPr>
+              <a:defRPr/>
+            </a:pPr>
+            <a:endParaRPr lang="en-US" altLang="ko-KR"/>
+          </a:p>
+          <a:p>
+            <a:pPr>
+              <a:defRPr/>
+            </a:pPr>
+            <a:r>
+              <a:rPr lang="ko-KR" altLang="en-US"/>
+              <a:t>간단한 미분 계산</a:t>
+            </a:r>
+            <a:endParaRPr lang="ko-KR" altLang="en-US"/>
+          </a:p>
+          <a:p>
+            <a:pPr>
+              <a:defRPr/>
+            </a:pPr>
+            <a:r>
+              <a:rPr lang="ko-KR" altLang="en-US"/>
+              <a:t>막대 그래프</a:t>
+            </a:r>
+            <a:r>
+              <a:rPr lang="en-US" altLang="ko-KR"/>
+              <a:t>,</a:t>
+            </a:r>
+            <a:r>
+              <a:rPr lang="ko-KR" altLang="en-US"/>
+              <a:t> 히스토그램</a:t>
+            </a:r>
+            <a:r>
+              <a:rPr lang="en-US" altLang="ko-KR"/>
+              <a:t>,</a:t>
+            </a:r>
+            <a:r>
+              <a:rPr lang="ko-KR" altLang="en-US"/>
+              <a:t> 선 그래프</a:t>
+            </a:r>
+            <a:r>
+              <a:rPr lang="en-US" altLang="ko-KR"/>
+              <a:t>,</a:t>
+            </a:r>
+            <a:r>
+              <a:rPr lang="ko-KR" altLang="en-US"/>
+              <a:t> 산점도</a:t>
+            </a:r>
+            <a:endParaRPr lang="ko-KR" altLang="en-US"/>
+          </a:p>
+          <a:p>
+            <a:pPr>
+              <a:defRPr/>
+            </a:pPr>
+            <a:r>
+              <a:rPr lang="en-US" altLang="ko-KR"/>
+              <a:t>scikit-learn </a:t>
+            </a:r>
+            <a:r>
+              <a:rPr lang="ko-KR" altLang="en-US"/>
+              <a:t>라이브러리에서 </a:t>
+            </a:r>
+            <a:r>
+              <a:rPr lang="en-US" altLang="ko-KR"/>
+              <a:t>Iris dataset </a:t>
+            </a:r>
+            <a:r>
+              <a:rPr lang="ko-KR" altLang="en-US"/>
+              <a:t>호출</a:t>
+            </a:r>
+            <a:r>
+              <a:rPr lang="en-US" altLang="ko-KR"/>
+              <a:t>.</a:t>
+            </a:r>
+            <a:r>
+              <a:rPr lang="ko-KR" altLang="en-US"/>
+              <a:t> 가시화</a:t>
+            </a:r>
+            <a:r>
+              <a:rPr lang="en-US" altLang="ko-KR"/>
+              <a:t>.</a:t>
+            </a:r>
+            <a:endParaRPr lang="en-US" altLang="ko-KR"/>
+          </a:p>
+          <a:p>
+            <a:pPr>
+              <a:defRPr/>
+            </a:pPr>
+            <a:endParaRPr lang="en-US" altLang="ko-KR"/>
+          </a:p>
+          <a:p>
+            <a:pPr>
+              <a:defRPr/>
+            </a:pPr>
+            <a:endParaRPr lang="en-US" altLang="ko-KR"/>
+          </a:p>
+          <a:p>
+            <a:pPr>
+              <a:defRPr/>
+            </a:pPr>
+            <a:endParaRPr lang="en-US" altLang="ko-KR"/>
+          </a:p>
+          <a:p>
+            <a:pPr>
+              <a:defRPr/>
+            </a:pPr>
+            <a:r>
+              <a:rPr lang="en-US" altLang="ko-KR"/>
+              <a:t>- torch</a:t>
+            </a:r>
+            <a:endParaRPr lang="en-US" altLang="ko-KR"/>
+          </a:p>
+        </p:txBody>
+      </p:sp>
     </p:spTree>
   </p:cSld>
   <p:clrMapOvr>
